--- a/doc/WP_Structure2.pptx
+++ b/doc/WP_Structure2.pptx
@@ -6,6 +6,10 @@
   </p:sldMasterIdLst>
   <p:sldIdLst>
     <p:sldId id="256" r:id="rId2"/>
+    <p:sldId id="257" r:id="rId3"/>
+    <p:sldId id="258" r:id="rId4"/>
+    <p:sldId id="259" r:id="rId5"/>
+    <p:sldId id="260" r:id="rId6"/>
   </p:sldIdLst>
   <p:sldSz cx="21388388" cy="15124113"/>
   <p:notesSz cx="6858000" cy="9144000"/>
@@ -4157,7 +4161,7 @@
                   <a:prstClr val="black"/>
                 </a:solidFill>
               </a:rPr>
-              <a:t>IFIC </a:t>
+              <a:t>UPV</a:t>
             </a:r>
             <a:endParaRPr lang="en-US" sz="1400" b="1" dirty="0" smtClean="0">
               <a:solidFill>
@@ -5703,6 +5707,217 @@
     <p:extLst>
       <p:ext uri="{BB962C8B-B14F-4D97-AF65-F5344CB8AC3E}">
         <p14:creationId xmlns:p14="http://schemas.microsoft.com/office/powerpoint/2010/main" val="2895257565"/>
+      </p:ext>
+    </p:extLst>
+  </p:cSld>
+  <p:clrMapOvr>
+    <a:masterClrMapping/>
+  </p:clrMapOvr>
+</p:sld>
+</file>
+
+<file path=ppt/slides/slide2.xml><?xml version="1.0" encoding="utf-8"?>
+<p:sld xmlns:a="http://schemas.openxmlformats.org/drawingml/2006/main" xmlns:r="http://schemas.openxmlformats.org/officeDocument/2006/relationships" xmlns:p="http://schemas.openxmlformats.org/presentationml/2006/main">
+  <p:cSld>
+    <p:spTree>
+      <p:nvGrpSpPr>
+        <p:cNvPr id="1" name=""/>
+        <p:cNvGrpSpPr/>
+        <p:nvPr/>
+      </p:nvGrpSpPr>
+      <p:grpSpPr>
+        <a:xfrm>
+          <a:off x="0" y="0"/>
+          <a:ext cx="0" cy="0"/>
+          <a:chOff x="0" y="0"/>
+          <a:chExt cx="0" cy="0"/>
+        </a:xfrm>
+      </p:grpSpPr>
+      <p:sp>
+        <p:nvSpPr>
+          <p:cNvPr id="5" name="Content Placeholder 4"/>
+          <p:cNvSpPr>
+            <a:spLocks noGrp="1"/>
+          </p:cNvSpPr>
+          <p:nvPr>
+            <p:ph idx="1"/>
+          </p:nvPr>
+        </p:nvSpPr>
+        <p:spPr/>
+        <p:txBody>
+          <a:bodyPr/>
+          <a:lstStyle/>
+          <a:p>
+            <a:endParaRPr lang="en-US"/>
+          </a:p>
+        </p:txBody>
+      </p:sp>
+    </p:spTree>
+    <p:extLst>
+      <p:ext uri="{BB962C8B-B14F-4D97-AF65-F5344CB8AC3E}">
+        <p14:creationId xmlns:p14="http://schemas.microsoft.com/office/powerpoint/2010/main" val="1767695074"/>
+      </p:ext>
+    </p:extLst>
+  </p:cSld>
+  <p:clrMapOvr>
+    <a:masterClrMapping/>
+  </p:clrMapOvr>
+</p:sld>
+</file>
+
+<file path=ppt/slides/slide3.xml><?xml version="1.0" encoding="utf-8"?>
+<p:sld xmlns:a="http://schemas.openxmlformats.org/drawingml/2006/main" xmlns:r="http://schemas.openxmlformats.org/officeDocument/2006/relationships" xmlns:p="http://schemas.openxmlformats.org/presentationml/2006/main">
+  <p:cSld>
+    <p:spTree>
+      <p:nvGrpSpPr>
+        <p:cNvPr id="1" name=""/>
+        <p:cNvGrpSpPr/>
+        <p:nvPr/>
+      </p:nvGrpSpPr>
+      <p:grpSpPr>
+        <a:xfrm>
+          <a:off x="0" y="0"/>
+          <a:ext cx="0" cy="0"/>
+          <a:chOff x="0" y="0"/>
+          <a:chExt cx="0" cy="0"/>
+        </a:xfrm>
+      </p:grpSpPr>
+      <p:pic>
+        <p:nvPicPr>
+          <p:cNvPr id="2" name="Picture 1"/>
+          <p:cNvPicPr>
+            <a:picLocks noChangeAspect="1"/>
+          </p:cNvPicPr>
+          <p:nvPr/>
+        </p:nvPicPr>
+        <p:blipFill>
+          <a:blip r:embed="rId2"/>
+          <a:stretch>
+            <a:fillRect/>
+          </a:stretch>
+        </p:blipFill>
+        <p:spPr>
+          <a:xfrm>
+            <a:off x="2358569" y="2182894"/>
+            <a:ext cx="17561511" cy="11722308"/>
+          </a:xfrm>
+          <a:prstGeom prst="rect">
+            <a:avLst/>
+          </a:prstGeom>
+        </p:spPr>
+      </p:pic>
+    </p:spTree>
+    <p:extLst>
+      <p:ext uri="{BB962C8B-B14F-4D97-AF65-F5344CB8AC3E}">
+        <p14:creationId xmlns:p14="http://schemas.microsoft.com/office/powerpoint/2010/main" val="897482135"/>
+      </p:ext>
+    </p:extLst>
+  </p:cSld>
+  <p:clrMapOvr>
+    <a:masterClrMapping/>
+  </p:clrMapOvr>
+</p:sld>
+</file>
+
+<file path=ppt/slides/slide4.xml><?xml version="1.0" encoding="utf-8"?>
+<p:sld xmlns:a="http://schemas.openxmlformats.org/drawingml/2006/main" xmlns:r="http://schemas.openxmlformats.org/officeDocument/2006/relationships" xmlns:p="http://schemas.openxmlformats.org/presentationml/2006/main">
+  <p:cSld>
+    <p:spTree>
+      <p:nvGrpSpPr>
+        <p:cNvPr id="1" name=""/>
+        <p:cNvGrpSpPr/>
+        <p:nvPr/>
+      </p:nvGrpSpPr>
+      <p:grpSpPr>
+        <a:xfrm>
+          <a:off x="0" y="0"/>
+          <a:ext cx="0" cy="0"/>
+          <a:chOff x="0" y="0"/>
+          <a:chExt cx="0" cy="0"/>
+        </a:xfrm>
+      </p:grpSpPr>
+      <p:pic>
+        <p:nvPicPr>
+          <p:cNvPr id="2" name="Picture 1"/>
+          <p:cNvPicPr>
+            <a:picLocks noChangeAspect="1"/>
+          </p:cNvPicPr>
+          <p:nvPr/>
+        </p:nvPicPr>
+        <p:blipFill>
+          <a:blip r:embed="rId2"/>
+          <a:stretch>
+            <a:fillRect/>
+          </a:stretch>
+        </p:blipFill>
+        <p:spPr>
+          <a:xfrm>
+            <a:off x="771379" y="845457"/>
+            <a:ext cx="20173517" cy="8105034"/>
+          </a:xfrm>
+          <a:prstGeom prst="rect">
+            <a:avLst/>
+          </a:prstGeom>
+        </p:spPr>
+      </p:pic>
+    </p:spTree>
+    <p:extLst>
+      <p:ext uri="{BB962C8B-B14F-4D97-AF65-F5344CB8AC3E}">
+        <p14:creationId xmlns:p14="http://schemas.microsoft.com/office/powerpoint/2010/main" val="1378912324"/>
+      </p:ext>
+    </p:extLst>
+  </p:cSld>
+  <p:clrMapOvr>
+    <a:masterClrMapping/>
+  </p:clrMapOvr>
+</p:sld>
+</file>
+
+<file path=ppt/slides/slide5.xml><?xml version="1.0" encoding="utf-8"?>
+<p:sld xmlns:a="http://schemas.openxmlformats.org/drawingml/2006/main" xmlns:r="http://schemas.openxmlformats.org/officeDocument/2006/relationships" xmlns:p="http://schemas.openxmlformats.org/presentationml/2006/main">
+  <p:cSld>
+    <p:spTree>
+      <p:nvGrpSpPr>
+        <p:cNvPr id="1" name=""/>
+        <p:cNvGrpSpPr/>
+        <p:nvPr/>
+      </p:nvGrpSpPr>
+      <p:grpSpPr>
+        <a:xfrm>
+          <a:off x="0" y="0"/>
+          <a:ext cx="0" cy="0"/>
+          <a:chOff x="0" y="0"/>
+          <a:chExt cx="0" cy="0"/>
+        </a:xfrm>
+      </p:grpSpPr>
+      <p:pic>
+        <p:nvPicPr>
+          <p:cNvPr id="2" name="Picture 1"/>
+          <p:cNvPicPr>
+            <a:picLocks noChangeAspect="1"/>
+          </p:cNvPicPr>
+          <p:nvPr/>
+        </p:nvPicPr>
+        <p:blipFill>
+          <a:blip r:embed="rId2"/>
+          <a:stretch>
+            <a:fillRect/>
+          </a:stretch>
+        </p:blipFill>
+        <p:spPr>
+          <a:xfrm>
+            <a:off x="759394" y="2908489"/>
+            <a:ext cx="20156498" cy="8098196"/>
+          </a:xfrm>
+          <a:prstGeom prst="rect">
+            <a:avLst/>
+          </a:prstGeom>
+        </p:spPr>
+      </p:pic>
+    </p:spTree>
+    <p:extLst>
+      <p:ext uri="{BB962C8B-B14F-4D97-AF65-F5344CB8AC3E}">
+        <p14:creationId xmlns:p14="http://schemas.microsoft.com/office/powerpoint/2010/main" val="2912439825"/>
       </p:ext>
     </p:extLst>
   </p:cSld>

--- a/doc/WP_Structure2.pptx
+++ b/doc/WP_Structure2.pptx
@@ -4422,7 +4422,7 @@
         <p:spPr>
           <a:xfrm>
             <a:off x="12104187" y="1966815"/>
-            <a:ext cx="1513417" cy="934860"/>
+            <a:ext cx="2412608" cy="1218270"/>
           </a:xfrm>
           <a:prstGeom prst="ellipse">
             <a:avLst/>
@@ -4463,8 +4463,12 @@
               <a:rPr lang="en-US" sz="1400" b="1" dirty="0"/>
             </a:br>
             <a:r>
+              <a:rPr lang="en-US" sz="1400" dirty="0" smtClean="0"/>
+              <a:t>RECO</a:t>
+            </a:r>
+            <a:r>
               <a:rPr lang="en-US" sz="1400" dirty="0"/>
-              <a:t>Offline</a:t>
+              <a:t/>
             </a:r>
             <a:br>
               <a:rPr lang="en-US" sz="1400" dirty="0"/>
@@ -4479,11 +4483,15 @@
             </a:r>
             <a:r>
               <a:rPr lang="en-US" sz="1400" b="1" dirty="0" smtClean="0"/>
-              <a:t>IFIC</a:t>
+              <a:t>US/IFIC</a:t>
             </a:r>
             <a:r>
               <a:rPr lang="en-US" sz="1400" dirty="0" smtClean="0"/>
-              <a:t> (Sorel)</a:t>
+              <a:t>(Hernando/</a:t>
+            </a:r>
+            <a:r>
+              <a:rPr lang="en-US" sz="1400" smtClean="0"/>
+              <a:t>Ferrario)</a:t>
             </a:r>
             <a:endParaRPr lang="en-US" sz="1400" b="1" dirty="0"/>
           </a:p>
@@ -5403,7 +5411,7 @@
         <p:spPr>
           <a:xfrm>
             <a:off x="11497499" y="1908794"/>
-            <a:ext cx="606688" cy="525451"/>
+            <a:ext cx="606688" cy="667156"/>
           </a:xfrm>
           <a:prstGeom prst="straightConnector1">
             <a:avLst/>

--- a/doc/WP_Structure2.pptx
+++ b/doc/WP_Structure2.pptx
@@ -3797,7 +3797,7 @@
                   <a:prstClr val="black"/>
                 </a:solidFill>
               </a:rPr>
-              <a:t>(Lain)</a:t>
+              <a:t>(Laing)</a:t>
             </a:r>
             <a:endParaRPr lang="en-US" sz="1400" b="1" dirty="0">
               <a:solidFill>
@@ -3874,19 +3874,19 @@
               <a:t> </a:t>
             </a:r>
             <a:r>
-              <a:rPr lang="en-US" sz="1400" b="1" dirty="0" smtClean="0"/>
+              <a:rPr lang="en-US" sz="1400" b="1" smtClean="0"/>
               <a:t>IFIC </a:t>
             </a:r>
             <a:r>
-              <a:rPr lang="en-US" sz="1400" dirty="0" smtClean="0"/>
+              <a:rPr lang="en-US" sz="1400" smtClean="0"/>
               <a:t>(</a:t>
             </a:r>
             <a:r>
-              <a:rPr lang="en-US" sz="1400" dirty="0" err="1" smtClean="0"/>
-              <a:t>Yhalali</a:t>
-            </a:r>
-            <a:r>
-              <a:rPr lang="en-US" sz="1400" dirty="0" smtClean="0"/>
+              <a:rPr lang="en-US" sz="1400" smtClean="0"/>
+              <a:t>Laing</a:t>
+            </a:r>
+            <a:r>
+              <a:rPr lang="en-US" sz="1400" smtClean="0"/>
               <a:t>)</a:t>
             </a:r>
             <a:endParaRPr lang="en-US" sz="1400" b="1" dirty="0"/>
@@ -4483,15 +4483,19 @@
             </a:r>
             <a:r>
               <a:rPr lang="en-US" sz="1400" b="1" dirty="0" smtClean="0"/>
-              <a:t>US/IFIC</a:t>
+              <a:t>IFIC</a:t>
             </a:r>
             <a:r>
               <a:rPr lang="en-US" sz="1400" dirty="0" smtClean="0"/>
-              <a:t>(Hernando/</a:t>
-            </a:r>
-            <a:r>
-              <a:rPr lang="en-US" sz="1400" smtClean="0"/>
-              <a:t>Ferrario)</a:t>
+              <a:t>(</a:t>
+            </a:r>
+            <a:r>
+              <a:rPr lang="en-US" sz="1400" dirty="0" err="1" smtClean="0"/>
+              <a:t>Ferrario</a:t>
+            </a:r>
+            <a:r>
+              <a:rPr lang="en-US" sz="1400" dirty="0" smtClean="0"/>
+              <a:t>)</a:t>
             </a:r>
             <a:endParaRPr lang="en-US" sz="1400" b="1" dirty="0"/>
           </a:p>
